--- a/car finder-3.pptx
+++ b/car finder-3.pptx
@@ -5,17 +5,18 @@
     <p:sldMasterId id="2147483658" r:id="rId1"/>
   </p:sldMasterIdLst>
   <p:notesMasterIdLst>
-    <p:notesMasterId r:id="rId10"/>
+    <p:notesMasterId r:id="rId11"/>
   </p:notesMasterIdLst>
   <p:sldIdLst>
     <p:sldId id="256" r:id="rId2"/>
     <p:sldId id="287" r:id="rId3"/>
     <p:sldId id="257" r:id="rId4"/>
-    <p:sldId id="278" r:id="rId5"/>
-    <p:sldId id="286" r:id="rId6"/>
-    <p:sldId id="283" r:id="rId7"/>
-    <p:sldId id="274" r:id="rId8"/>
-    <p:sldId id="284" r:id="rId9"/>
+    <p:sldId id="286" r:id="rId5"/>
+    <p:sldId id="283" r:id="rId6"/>
+    <p:sldId id="274" r:id="rId7"/>
+    <p:sldId id="284" r:id="rId8"/>
+    <p:sldId id="288" r:id="rId9"/>
+    <p:sldId id="289" r:id="rId10"/>
   </p:sldIdLst>
   <p:sldSz cx="9144000" cy="6858000" type="screen4x3"/>
   <p:notesSz cx="6858000" cy="9144000"/>
@@ -923,115 +924,6 @@
   <p:cSld>
     <p:spTree>
       <p:nvGrpSpPr>
-        <p:cNvPr id="1" name="Shape 307"/>
-        <p:cNvGrpSpPr/>
-        <p:nvPr/>
-      </p:nvGrpSpPr>
-      <p:grpSpPr>
-        <a:xfrm>
-          <a:off x="0" y="0"/>
-          <a:ext cx="0" cy="0"/>
-          <a:chOff x="0" y="0"/>
-          <a:chExt cx="0" cy="0"/>
-        </a:xfrm>
-      </p:grpSpPr>
-      <p:sp>
-        <p:nvSpPr>
-          <p:cNvPr id="308" name="Shape 308"/>
-          <p:cNvSpPr>
-            <a:spLocks noGrp="1" noRot="1" noChangeAspect="1"/>
-          </p:cNvSpPr>
-          <p:nvPr>
-            <p:ph type="sldImg" idx="2"/>
-          </p:nvPr>
-        </p:nvSpPr>
-        <p:spPr>
-          <a:xfrm>
-            <a:off x="1143000" y="685800"/>
-            <a:ext cx="4572000" cy="3429000"/>
-          </a:xfrm>
-          <a:custGeom>
-            <a:avLst/>
-            <a:gdLst/>
-            <a:ahLst/>
-            <a:cxnLst/>
-            <a:rect l="0" t="0" r="0" b="0"/>
-            <a:pathLst>
-              <a:path w="120000" h="120000" extrusionOk="0">
-                <a:moveTo>
-                  <a:pt x="0" y="0"/>
-                </a:moveTo>
-                <a:lnTo>
-                  <a:pt x="120000" y="0"/>
-                </a:lnTo>
-                <a:lnTo>
-                  <a:pt x="120000" y="120000"/>
-                </a:lnTo>
-                <a:lnTo>
-                  <a:pt x="0" y="120000"/>
-                </a:lnTo>
-                <a:close/>
-              </a:path>
-            </a:pathLst>
-          </a:custGeom>
-        </p:spPr>
-      </p:sp>
-      <p:sp>
-        <p:nvSpPr>
-          <p:cNvPr id="309" name="Shape 309"/>
-          <p:cNvSpPr txBox="1">
-            <a:spLocks noGrp="1"/>
-          </p:cNvSpPr>
-          <p:nvPr>
-            <p:ph type="body" idx="1"/>
-          </p:nvPr>
-        </p:nvSpPr>
-        <p:spPr>
-          <a:xfrm>
-            <a:off x="685800" y="4343400"/>
-            <a:ext cx="5486400" cy="4114800"/>
-          </a:xfrm>
-          <a:prstGeom prst="rect">
-            <a:avLst/>
-          </a:prstGeom>
-        </p:spPr>
-        <p:txBody>
-          <a:bodyPr spcFirstLastPara="1" wrap="square" lIns="91425" tIns="91425" rIns="91425" bIns="91425" anchor="t" anchorCtr="0">
-            <a:noAutofit/>
-          </a:bodyPr>
-          <a:lstStyle/>
-          <a:p>
-            <a:pPr marL="0" lvl="0" indent="0" rtl="0">
-              <a:spcBef>
-                <a:spcPts val="0"/>
-              </a:spcBef>
-              <a:spcAft>
-                <a:spcPts val="0"/>
-              </a:spcAft>
-              <a:buNone/>
-            </a:pPr>
-            <a:endParaRPr/>
-          </a:p>
-        </p:txBody>
-      </p:sp>
-    </p:spTree>
-    <p:extLst>
-      <p:ext uri="{BB962C8B-B14F-4D97-AF65-F5344CB8AC3E}">
-        <p14:creationId xmlns:p14="http://schemas.microsoft.com/office/powerpoint/2010/main" val="331241082"/>
-      </p:ext>
-    </p:extLst>
-  </p:cSld>
-  <p:clrMapOvr>
-    <a:masterClrMapping/>
-  </p:clrMapOvr>
-</p:notes>
-</file>
-
-<file path=ppt/notesSlides/notesSlide4.xml><?xml version="1.0" encoding="utf-8"?>
-<p:notes xmlns:a="http://schemas.openxmlformats.org/drawingml/2006/main" xmlns:r="http://schemas.openxmlformats.org/officeDocument/2006/relationships" xmlns:p="http://schemas.openxmlformats.org/presentationml/2006/main" showMasterSp="0" showMasterPhAnim="0">
-  <p:cSld>
-    <p:spTree>
-      <p:nvGrpSpPr>
         <p:cNvPr id="1" name="Shape 160"/>
         <p:cNvGrpSpPr/>
         <p:nvPr/>
@@ -1136,7 +1028,7 @@
 </p:notes>
 </file>
 
-<file path=ppt/notesSlides/notesSlide5.xml><?xml version="1.0" encoding="utf-8"?>
+<file path=ppt/notesSlides/notesSlide4.xml><?xml version="1.0" encoding="utf-8"?>
 <p:notes xmlns:a="http://schemas.openxmlformats.org/drawingml/2006/main" xmlns:r="http://schemas.openxmlformats.org/officeDocument/2006/relationships" xmlns:p="http://schemas.openxmlformats.org/presentationml/2006/main" showMasterSp="0" showMasterPhAnim="0">
   <p:cSld>
     <p:spTree>
@@ -2592,182 +2484,6 @@
 </p:sldLayout>
 </file>
 
-<file path=ppt/slideLayouts/slideLayout5.xml><?xml version="1.0" encoding="utf-8"?>
-<p:sldLayout xmlns:a="http://schemas.openxmlformats.org/drawingml/2006/main" xmlns:r="http://schemas.openxmlformats.org/officeDocument/2006/relationships" xmlns:p="http://schemas.openxmlformats.org/presentationml/2006/main" matchingName="Blank" type="blank">
-  <p:cSld name="BLANK">
-    <p:spTree>
-      <p:nvGrpSpPr>
-        <p:cNvPr id="1" name="Shape 59"/>
-        <p:cNvGrpSpPr/>
-        <p:nvPr/>
-      </p:nvGrpSpPr>
-      <p:grpSpPr>
-        <a:xfrm>
-          <a:off x="0" y="0"/>
-          <a:ext cx="0" cy="0"/>
-          <a:chOff x="0" y="0"/>
-          <a:chExt cx="0" cy="0"/>
-        </a:xfrm>
-      </p:grpSpPr>
-      <p:cxnSp>
-        <p:nvCxnSpPr>
-          <p:cNvPr id="60" name="Shape 60"/>
-          <p:cNvCxnSpPr/>
-          <p:nvPr/>
-        </p:nvCxnSpPr>
-        <p:spPr>
-          <a:xfrm>
-            <a:off x="903825" y="-7925"/>
-            <a:ext cx="0" cy="6866100"/>
-          </a:xfrm>
-          <a:prstGeom prst="straightConnector1">
-            <a:avLst/>
-          </a:prstGeom>
-          <a:noFill/>
-          <a:ln w="9525" cap="flat" cmpd="sng">
-            <a:solidFill>
-              <a:srgbClr val="999FA9"/>
-            </a:solidFill>
-            <a:prstDash val="solid"/>
-            <a:round/>
-            <a:headEnd type="none" w="med" len="med"/>
-            <a:tailEnd type="none" w="med" len="med"/>
-          </a:ln>
-        </p:spPr>
-      </p:cxnSp>
-      <p:sp>
-        <p:nvSpPr>
-          <p:cNvPr id="61" name="Shape 61"/>
-          <p:cNvSpPr/>
-          <p:nvPr/>
-        </p:nvSpPr>
-        <p:spPr>
-          <a:xfrm>
-            <a:off x="808650" y="3333900"/>
-            <a:ext cx="190200" cy="190200"/>
-          </a:xfrm>
-          <a:prstGeom prst="ellipse">
-            <a:avLst/>
-          </a:prstGeom>
-          <a:solidFill>
-            <a:srgbClr val="2E3037"/>
-          </a:solidFill>
-          <a:ln w="9525" cap="flat" cmpd="sng">
-            <a:solidFill>
-              <a:srgbClr val="999FA9"/>
-            </a:solidFill>
-            <a:prstDash val="solid"/>
-            <a:round/>
-            <a:headEnd type="none" w="sm" len="sm"/>
-            <a:tailEnd type="none" w="sm" len="sm"/>
-          </a:ln>
-        </p:spPr>
-        <p:txBody>
-          <a:bodyPr spcFirstLastPara="1" wrap="square" lIns="91425" tIns="91425" rIns="91425" bIns="91425" anchor="ctr" anchorCtr="0">
-            <a:noAutofit/>
-          </a:bodyPr>
-          <a:lstStyle/>
-          <a:p>
-            <a:pPr marL="0" lvl="0" indent="0">
-              <a:spcBef>
-                <a:spcPts val="0"/>
-              </a:spcBef>
-              <a:spcAft>
-                <a:spcPts val="0"/>
-              </a:spcAft>
-              <a:buNone/>
-            </a:pPr>
-            <a:endParaRPr/>
-          </a:p>
-        </p:txBody>
-      </p:sp>
-      <p:sp>
-        <p:nvSpPr>
-          <p:cNvPr id="62" name="Shape 62"/>
-          <p:cNvSpPr txBox="1">
-            <a:spLocks noGrp="1"/>
-          </p:cNvSpPr>
-          <p:nvPr>
-            <p:ph type="sldNum" idx="12"/>
-          </p:nvPr>
-        </p:nvSpPr>
-        <p:spPr>
-          <a:xfrm>
-            <a:off x="8523157" y="6437775"/>
-            <a:ext cx="548700" cy="420300"/>
-          </a:xfrm>
-          <a:prstGeom prst="rect">
-            <a:avLst/>
-          </a:prstGeom>
-        </p:spPr>
-        <p:txBody>
-          <a:bodyPr spcFirstLastPara="1" wrap="square" lIns="91425" tIns="91425" rIns="91425" bIns="91425" anchor="t" anchorCtr="0">
-            <a:noAutofit/>
-          </a:bodyPr>
-          <a:lstStyle>
-            <a:lvl1pPr lvl="0">
-              <a:buNone/>
-              <a:defRPr/>
-            </a:lvl1pPr>
-            <a:lvl2pPr lvl="1">
-              <a:buNone/>
-              <a:defRPr/>
-            </a:lvl2pPr>
-            <a:lvl3pPr lvl="2">
-              <a:buNone/>
-              <a:defRPr/>
-            </a:lvl3pPr>
-            <a:lvl4pPr lvl="3">
-              <a:buNone/>
-              <a:defRPr/>
-            </a:lvl4pPr>
-            <a:lvl5pPr lvl="4">
-              <a:buNone/>
-              <a:defRPr/>
-            </a:lvl5pPr>
-            <a:lvl6pPr lvl="5">
-              <a:buNone/>
-              <a:defRPr/>
-            </a:lvl6pPr>
-            <a:lvl7pPr lvl="6">
-              <a:buNone/>
-              <a:defRPr/>
-            </a:lvl7pPr>
-            <a:lvl8pPr lvl="7">
-              <a:buNone/>
-              <a:defRPr/>
-            </a:lvl8pPr>
-            <a:lvl9pPr lvl="8">
-              <a:buNone/>
-              <a:defRPr/>
-            </a:lvl9pPr>
-          </a:lstStyle>
-          <a:p>
-            <a:pPr marL="0" lvl="0" indent="0">
-              <a:spcBef>
-                <a:spcPts val="0"/>
-              </a:spcBef>
-              <a:spcAft>
-                <a:spcPts val="0"/>
-              </a:spcAft>
-              <a:buNone/>
-            </a:pPr>
-            <a:fld id="{00000000-1234-1234-1234-123412341234}" type="slidenum">
-              <a:rPr lang="en"/>
-              <a:t>‹#›</a:t>
-            </a:fld>
-            <a:endParaRPr/>
-          </a:p>
-        </p:txBody>
-      </p:sp>
-    </p:spTree>
-  </p:cSld>
-  <p:clrMapOvr>
-    <a:masterClrMapping/>
-  </p:clrMapOvr>
-</p:sldLayout>
-</file>
-
 <file path=ppt/slideMasters/slideMaster1.xml><?xml version="1.0" encoding="utf-8"?>
 <p:sldMaster xmlns:a="http://schemas.openxmlformats.org/drawingml/2006/main" xmlns:r="http://schemas.openxmlformats.org/officeDocument/2006/relationships" xmlns:p="http://schemas.openxmlformats.org/presentationml/2006/main">
   <p:cSld name="simple-light">
@@ -3434,7 +3150,6 @@
     <p:sldLayoutId id="2147483652" r:id="rId2"/>
     <p:sldLayoutId id="2147483654" r:id="rId3"/>
     <p:sldLayoutId id="2147483655" r:id="rId4"/>
-    <p:sldLayoutId id="2147483656" r:id="rId5"/>
   </p:sldLayoutIdLst>
   <p:transition>
     <p:fade thruBlk="1"/>
@@ -4256,6 +3971,13 @@
       <p:transition/>
     </mc:Fallback>
   </mc:AlternateContent>
+  <p:timing>
+    <p:tnLst>
+      <p:par>
+        <p:cTn id="1" dur="indefinite" restart="never" nodeType="tmRoot"/>
+      </p:par>
+    </p:tnLst>
+  </p:timing>
 </p:sld>
 </file>
 
@@ -4484,6 +4206,21 @@
   <p:clrMapOvr>
     <a:masterClrMapping/>
   </p:clrMapOvr>
+  <mc:AlternateContent xmlns:mc="http://schemas.openxmlformats.org/markup-compatibility/2006">
+    <mc:Choice xmlns:p14="http://schemas.microsoft.com/office/powerpoint/2010/main" Requires="p14">
+      <p:transition p14:dur="0"/>
+    </mc:Choice>
+    <mc:Fallback>
+      <p:transition/>
+    </mc:Fallback>
+  </mc:AlternateContent>
+  <p:timing>
+    <p:tnLst>
+      <p:par>
+        <p:cTn id="1" dur="indefinite" restart="never" nodeType="tmRoot"/>
+      </p:par>
+    </p:tnLst>
+  </p:timing>
 </p:sld>
 </file>
 
@@ -4653,736 +4390,17 @@
       <p:transition/>
     </mc:Fallback>
   </mc:AlternateContent>
+  <p:timing>
+    <p:tnLst>
+      <p:par>
+        <p:cTn id="1" dur="indefinite" restart="never" nodeType="tmRoot"/>
+      </p:par>
+    </p:tnLst>
+  </p:timing>
 </p:sld>
 </file>
 
 <file path=ppt/slides/slide4.xml><?xml version="1.0" encoding="utf-8"?>
-<p:sld xmlns:a="http://schemas.openxmlformats.org/drawingml/2006/main" xmlns:r="http://schemas.openxmlformats.org/officeDocument/2006/relationships" xmlns:p="http://schemas.openxmlformats.org/presentationml/2006/main">
-  <p:cSld>
-    <p:spTree>
-      <p:nvGrpSpPr>
-        <p:cNvPr id="1" name="Shape 310"/>
-        <p:cNvGrpSpPr/>
-        <p:nvPr/>
-      </p:nvGrpSpPr>
-      <p:grpSpPr>
-        <a:xfrm>
-          <a:off x="0" y="0"/>
-          <a:ext cx="0" cy="0"/>
-          <a:chOff x="0" y="0"/>
-          <a:chExt cx="0" cy="0"/>
-        </a:xfrm>
-      </p:grpSpPr>
-      <p:sp>
-        <p:nvSpPr>
-          <p:cNvPr id="311" name="Shape 311"/>
-          <p:cNvSpPr/>
-          <p:nvPr/>
-        </p:nvSpPr>
-        <p:spPr>
-          <a:xfrm>
-            <a:off x="3889450" y="1642350"/>
-            <a:ext cx="4717800" cy="3007500"/>
-          </a:xfrm>
-          <a:prstGeom prst="rect">
-            <a:avLst/>
-          </a:prstGeom>
-          <a:solidFill>
-            <a:srgbClr val="2E3037"/>
-          </a:solidFill>
-          <a:ln>
-            <a:noFill/>
-          </a:ln>
-        </p:spPr>
-        <p:txBody>
-          <a:bodyPr spcFirstLastPara="1" wrap="square" lIns="91425" tIns="91425" rIns="91425" bIns="91425" anchor="ctr" anchorCtr="0">
-            <a:noAutofit/>
-          </a:bodyPr>
-          <a:lstStyle/>
-          <a:p>
-            <a:pPr marL="0" lvl="0" indent="0" algn="ctr" rtl="0">
-              <a:spcBef>
-                <a:spcPts val="0"/>
-              </a:spcBef>
-              <a:spcAft>
-                <a:spcPts val="0"/>
-              </a:spcAft>
-              <a:buNone/>
-            </a:pPr>
-            <a:r>
-              <a:rPr lang="en" sz="1000" dirty="0">
-                <a:solidFill>
-                  <a:srgbClr val="39C0BA"/>
-                </a:solidFill>
-                <a:latin typeface="Quicksand"/>
-                <a:ea typeface="Quicksand"/>
-                <a:cs typeface="Quicksand"/>
-                <a:sym typeface="Quicksand"/>
-              </a:rPr>
-              <a:t>Place your screenshot here</a:t>
-            </a:r>
-            <a:endParaRPr sz="1000" dirty="0">
-              <a:solidFill>
-                <a:srgbClr val="39C0BA"/>
-              </a:solidFill>
-              <a:latin typeface="Quicksand"/>
-              <a:ea typeface="Quicksand"/>
-              <a:cs typeface="Quicksand"/>
-              <a:sym typeface="Quicksand"/>
-            </a:endParaRPr>
-          </a:p>
-        </p:txBody>
-      </p:sp>
-      <p:sp>
-        <p:nvSpPr>
-          <p:cNvPr id="314" name="Shape 314"/>
-          <p:cNvSpPr txBox="1">
-            <a:spLocks noGrp="1"/>
-          </p:cNvSpPr>
-          <p:nvPr>
-            <p:ph type="sldNum" idx="12"/>
-          </p:nvPr>
-        </p:nvSpPr>
-        <p:spPr>
-          <a:prstGeom prst="rect">
-            <a:avLst/>
-          </a:prstGeom>
-        </p:spPr>
-        <p:txBody>
-          <a:bodyPr spcFirstLastPara="1" wrap="square" lIns="91425" tIns="91425" rIns="91425" bIns="91425" anchor="t" anchorCtr="0">
-            <a:noAutofit/>
-          </a:bodyPr>
-          <a:lstStyle/>
-          <a:p>
-            <a:pPr marL="0" lvl="0" indent="0">
-              <a:spcBef>
-                <a:spcPts val="0"/>
-              </a:spcBef>
-              <a:spcAft>
-                <a:spcPts val="0"/>
-              </a:spcAft>
-              <a:buNone/>
-            </a:pPr>
-            <a:fld id="{00000000-1234-1234-1234-123412341234}" type="slidenum">
-              <a:rPr lang="en"/>
-              <a:t>4</a:t>
-            </a:fld>
-            <a:endParaRPr/>
-          </a:p>
-        </p:txBody>
-      </p:sp>
-      <p:sp>
-        <p:nvSpPr>
-          <p:cNvPr id="312" name="Shape 312"/>
-          <p:cNvSpPr txBox="1">
-            <a:spLocks noGrp="1"/>
-          </p:cNvSpPr>
-          <p:nvPr>
-            <p:ph type="body" idx="4294967295"/>
-          </p:nvPr>
-        </p:nvSpPr>
-        <p:spPr>
-          <a:xfrm>
-            <a:off x="878888" y="3552093"/>
-            <a:ext cx="4634145" cy="2195513"/>
-          </a:xfrm>
-          <a:prstGeom prst="rect">
-            <a:avLst/>
-          </a:prstGeom>
-        </p:spPr>
-        <p:txBody>
-          <a:bodyPr spcFirstLastPara="1" wrap="square" lIns="91425" tIns="91425" rIns="91425" bIns="91425" anchor="t" anchorCtr="0">
-            <a:noAutofit/>
-          </a:bodyPr>
-          <a:lstStyle/>
-          <a:p>
-            <a:pPr marL="0" lvl="0" indent="0" rtl="0">
-              <a:spcBef>
-                <a:spcPts val="600"/>
-              </a:spcBef>
-              <a:spcAft>
-                <a:spcPts val="0"/>
-              </a:spcAft>
-              <a:buNone/>
-            </a:pPr>
-            <a:r>
-              <a:rPr lang="en-US" sz="1800" b="1" dirty="0" err="1" smtClean="0">
-                <a:latin typeface="Helvetica Neue" charset="0"/>
-                <a:ea typeface="Helvetica Neue" charset="0"/>
-                <a:cs typeface="Helvetica Neue" charset="0"/>
-              </a:rPr>
-              <a:t>Heroku</a:t>
-            </a:r>
-            <a:r>
-              <a:rPr lang="en-US" sz="1800" b="1" dirty="0" smtClean="0">
-                <a:latin typeface="Helvetica Neue" charset="0"/>
-                <a:ea typeface="Helvetica Neue" charset="0"/>
-                <a:cs typeface="Helvetica Neue" charset="0"/>
-              </a:rPr>
-              <a:t>:</a:t>
-            </a:r>
-          </a:p>
-          <a:p>
-            <a:pPr marL="0" lvl="0" indent="0">
-              <a:buNone/>
-            </a:pPr>
-            <a:r>
-              <a:rPr lang="en-US" sz="1800" b="1" dirty="0">
-                <a:latin typeface="Helvetica Neue" charset="0"/>
-                <a:ea typeface="Helvetica Neue" charset="0"/>
-                <a:cs typeface="Helvetica Neue" charset="0"/>
-              </a:rPr>
-              <a:t>https://powerful-bastion-56814.herokuapp.com</a:t>
-            </a:r>
-            <a:endParaRPr lang="en-US" sz="1800" b="1" dirty="0" smtClean="0">
-              <a:latin typeface="Helvetica Neue" charset="0"/>
-              <a:ea typeface="Helvetica Neue" charset="0"/>
-              <a:cs typeface="Helvetica Neue" charset="0"/>
-            </a:endParaRPr>
-          </a:p>
-          <a:p>
-            <a:pPr marL="0" lvl="0" indent="0" rtl="0">
-              <a:spcBef>
-                <a:spcPts val="600"/>
-              </a:spcBef>
-              <a:spcAft>
-                <a:spcPts val="0"/>
-              </a:spcAft>
-              <a:buNone/>
-            </a:pPr>
-            <a:endParaRPr lang="en-US" sz="1800" b="1" dirty="0">
-              <a:latin typeface="Helvetica Neue" charset="0"/>
-              <a:ea typeface="Helvetica Neue" charset="0"/>
-              <a:cs typeface="Helvetica Neue" charset="0"/>
-            </a:endParaRPr>
-          </a:p>
-          <a:p>
-            <a:pPr marL="0" lvl="0" indent="0">
-              <a:buNone/>
-            </a:pPr>
-            <a:r>
-              <a:rPr lang="en-US" sz="1800" b="1" dirty="0" err="1">
-                <a:latin typeface="Helvetica Neue" charset="0"/>
-                <a:ea typeface="Helvetica Neue" charset="0"/>
-                <a:cs typeface="Helvetica Neue" charset="0"/>
-              </a:rPr>
-              <a:t>Github</a:t>
-            </a:r>
-            <a:r>
-              <a:rPr lang="en-US" sz="1800" b="1" dirty="0">
-                <a:latin typeface="Helvetica Neue" charset="0"/>
-                <a:ea typeface="Helvetica Neue" charset="0"/>
-                <a:cs typeface="Helvetica Neue" charset="0"/>
-              </a:rPr>
-              <a:t>: https://github.com/xTurbeaux/project2</a:t>
-            </a:r>
-          </a:p>
-          <a:p>
-            <a:pPr marL="0" lvl="0" indent="0" rtl="0">
-              <a:spcBef>
-                <a:spcPts val="600"/>
-              </a:spcBef>
-              <a:spcAft>
-                <a:spcPts val="0"/>
-              </a:spcAft>
-              <a:buNone/>
-            </a:pPr>
-            <a:endParaRPr sz="1800" b="1" dirty="0">
-              <a:latin typeface="Helvetica Neue" charset="0"/>
-              <a:ea typeface="Helvetica Neue" charset="0"/>
-              <a:cs typeface="Helvetica Neue" charset="0"/>
-            </a:endParaRPr>
-          </a:p>
-        </p:txBody>
-      </p:sp>
-      <p:sp>
-        <p:nvSpPr>
-          <p:cNvPr id="313" name="Shape 313"/>
-          <p:cNvSpPr/>
-          <p:nvPr/>
-        </p:nvSpPr>
-        <p:spPr>
-          <a:xfrm>
-            <a:off x="3678188" y="1429814"/>
-            <a:ext cx="5140316" cy="3579508"/>
-          </a:xfrm>
-          <a:custGeom>
-            <a:avLst/>
-            <a:gdLst/>
-            <a:ahLst/>
-            <a:cxnLst/>
-            <a:rect l="0" t="0" r="0" b="0"/>
-            <a:pathLst>
-              <a:path w="143434" h="111665" extrusionOk="0">
-                <a:moveTo>
-                  <a:pt x="71751" y="2308"/>
-                </a:moveTo>
-                <a:lnTo>
-                  <a:pt x="71887" y="2376"/>
-                </a:lnTo>
-                <a:lnTo>
-                  <a:pt x="72091" y="2444"/>
-                </a:lnTo>
-                <a:lnTo>
-                  <a:pt x="72159" y="2647"/>
-                </a:lnTo>
-                <a:lnTo>
-                  <a:pt x="72226" y="2783"/>
-                </a:lnTo>
-                <a:lnTo>
-                  <a:pt x="72159" y="2987"/>
-                </a:lnTo>
-                <a:lnTo>
-                  <a:pt x="72091" y="3190"/>
-                </a:lnTo>
-                <a:lnTo>
-                  <a:pt x="71887" y="3258"/>
-                </a:lnTo>
-                <a:lnTo>
-                  <a:pt x="71751" y="3326"/>
-                </a:lnTo>
-                <a:lnTo>
-                  <a:pt x="71548" y="3258"/>
-                </a:lnTo>
-                <a:lnTo>
-                  <a:pt x="71344" y="3190"/>
-                </a:lnTo>
-                <a:lnTo>
-                  <a:pt x="71276" y="2987"/>
-                </a:lnTo>
-                <a:lnTo>
-                  <a:pt x="71208" y="2783"/>
-                </a:lnTo>
-                <a:lnTo>
-                  <a:pt x="71276" y="2647"/>
-                </a:lnTo>
-                <a:lnTo>
-                  <a:pt x="71344" y="2444"/>
-                </a:lnTo>
-                <a:lnTo>
-                  <a:pt x="71548" y="2376"/>
-                </a:lnTo>
-                <a:lnTo>
-                  <a:pt x="71751" y="2308"/>
-                </a:lnTo>
-                <a:close/>
-                <a:moveTo>
-                  <a:pt x="137528" y="5906"/>
-                </a:moveTo>
-                <a:lnTo>
-                  <a:pt x="137596" y="5974"/>
-                </a:lnTo>
-                <a:lnTo>
-                  <a:pt x="137596" y="89604"/>
-                </a:lnTo>
-                <a:lnTo>
-                  <a:pt x="5906" y="89604"/>
-                </a:lnTo>
-                <a:lnTo>
-                  <a:pt x="5906" y="5974"/>
-                </a:lnTo>
-                <a:lnTo>
-                  <a:pt x="5906" y="5906"/>
-                </a:lnTo>
-                <a:close/>
-                <a:moveTo>
-                  <a:pt x="3530" y="0"/>
-                </a:moveTo>
-                <a:lnTo>
-                  <a:pt x="3191" y="68"/>
-                </a:lnTo>
-                <a:lnTo>
-                  <a:pt x="2444" y="339"/>
-                </a:lnTo>
-                <a:lnTo>
-                  <a:pt x="1766" y="679"/>
-                </a:lnTo>
-                <a:lnTo>
-                  <a:pt x="1155" y="1154"/>
-                </a:lnTo>
-                <a:lnTo>
-                  <a:pt x="679" y="1765"/>
-                </a:lnTo>
-                <a:lnTo>
-                  <a:pt x="272" y="2444"/>
-                </a:lnTo>
-                <a:lnTo>
-                  <a:pt x="69" y="3190"/>
-                </a:lnTo>
-                <a:lnTo>
-                  <a:pt x="1" y="3598"/>
-                </a:lnTo>
-                <a:lnTo>
-                  <a:pt x="1" y="4005"/>
-                </a:lnTo>
-                <a:lnTo>
-                  <a:pt x="1" y="91572"/>
-                </a:lnTo>
-                <a:lnTo>
-                  <a:pt x="1" y="91979"/>
-                </a:lnTo>
-                <a:lnTo>
-                  <a:pt x="69" y="92319"/>
-                </a:lnTo>
-                <a:lnTo>
-                  <a:pt x="272" y="93065"/>
-                </a:lnTo>
-                <a:lnTo>
-                  <a:pt x="679" y="93744"/>
-                </a:lnTo>
-                <a:lnTo>
-                  <a:pt x="1155" y="94355"/>
-                </a:lnTo>
-                <a:lnTo>
-                  <a:pt x="1766" y="94830"/>
-                </a:lnTo>
-                <a:lnTo>
-                  <a:pt x="2444" y="95238"/>
-                </a:lnTo>
-                <a:lnTo>
-                  <a:pt x="3191" y="95441"/>
-                </a:lnTo>
-                <a:lnTo>
-                  <a:pt x="3530" y="95509"/>
-                </a:lnTo>
-                <a:lnTo>
-                  <a:pt x="139904" y="95509"/>
-                </a:lnTo>
-                <a:lnTo>
-                  <a:pt x="140311" y="95441"/>
-                </a:lnTo>
-                <a:lnTo>
-                  <a:pt x="141058" y="95238"/>
-                </a:lnTo>
-                <a:lnTo>
-                  <a:pt x="141737" y="94830"/>
-                </a:lnTo>
-                <a:lnTo>
-                  <a:pt x="142280" y="94355"/>
-                </a:lnTo>
-                <a:lnTo>
-                  <a:pt x="142755" y="93744"/>
-                </a:lnTo>
-                <a:lnTo>
-                  <a:pt x="143162" y="93065"/>
-                </a:lnTo>
-                <a:lnTo>
-                  <a:pt x="143366" y="92319"/>
-                </a:lnTo>
-                <a:lnTo>
-                  <a:pt x="143434" y="91979"/>
-                </a:lnTo>
-                <a:lnTo>
-                  <a:pt x="143434" y="91572"/>
-                </a:lnTo>
-                <a:lnTo>
-                  <a:pt x="143434" y="4005"/>
-                </a:lnTo>
-                <a:lnTo>
-                  <a:pt x="143434" y="3598"/>
-                </a:lnTo>
-                <a:lnTo>
-                  <a:pt x="143366" y="3190"/>
-                </a:lnTo>
-                <a:lnTo>
-                  <a:pt x="143162" y="2444"/>
-                </a:lnTo>
-                <a:lnTo>
-                  <a:pt x="142755" y="1765"/>
-                </a:lnTo>
-                <a:lnTo>
-                  <a:pt x="142280" y="1154"/>
-                </a:lnTo>
-                <a:lnTo>
-                  <a:pt x="141737" y="679"/>
-                </a:lnTo>
-                <a:lnTo>
-                  <a:pt x="141058" y="339"/>
-                </a:lnTo>
-                <a:lnTo>
-                  <a:pt x="140311" y="68"/>
-                </a:lnTo>
-                <a:lnTo>
-                  <a:pt x="139904" y="0"/>
-                </a:lnTo>
-                <a:close/>
-                <a:moveTo>
-                  <a:pt x="55324" y="95713"/>
-                </a:moveTo>
-                <a:lnTo>
-                  <a:pt x="55052" y="98971"/>
-                </a:lnTo>
-                <a:lnTo>
-                  <a:pt x="54713" y="102297"/>
-                </a:lnTo>
-                <a:lnTo>
-                  <a:pt x="54374" y="105284"/>
-                </a:lnTo>
-                <a:lnTo>
-                  <a:pt x="53966" y="107388"/>
-                </a:lnTo>
-                <a:lnTo>
-                  <a:pt x="53763" y="108203"/>
-                </a:lnTo>
-                <a:lnTo>
-                  <a:pt x="53627" y="108746"/>
-                </a:lnTo>
-                <a:lnTo>
-                  <a:pt x="53423" y="109153"/>
-                </a:lnTo>
-                <a:lnTo>
-                  <a:pt x="53220" y="109357"/>
-                </a:lnTo>
-                <a:lnTo>
-                  <a:pt x="52677" y="109493"/>
-                </a:lnTo>
-                <a:lnTo>
-                  <a:pt x="51794" y="109696"/>
-                </a:lnTo>
-                <a:lnTo>
-                  <a:pt x="49690" y="110036"/>
-                </a:lnTo>
-                <a:lnTo>
-                  <a:pt x="48061" y="110307"/>
-                </a:lnTo>
-                <a:lnTo>
-                  <a:pt x="47450" y="110443"/>
-                </a:lnTo>
-                <a:lnTo>
-                  <a:pt x="47110" y="110511"/>
-                </a:lnTo>
-                <a:lnTo>
-                  <a:pt x="47042" y="110579"/>
-                </a:lnTo>
-                <a:lnTo>
-                  <a:pt x="47042" y="110783"/>
-                </a:lnTo>
-                <a:lnTo>
-                  <a:pt x="47110" y="110850"/>
-                </a:lnTo>
-                <a:lnTo>
-                  <a:pt x="47585" y="110918"/>
-                </a:lnTo>
-                <a:lnTo>
-                  <a:pt x="48400" y="110986"/>
-                </a:lnTo>
-                <a:lnTo>
-                  <a:pt x="51387" y="111054"/>
-                </a:lnTo>
-                <a:lnTo>
-                  <a:pt x="56071" y="111122"/>
-                </a:lnTo>
-                <a:lnTo>
-                  <a:pt x="87092" y="111122"/>
-                </a:lnTo>
-                <a:lnTo>
-                  <a:pt x="91708" y="111054"/>
-                </a:lnTo>
-                <a:lnTo>
-                  <a:pt x="94695" y="110986"/>
-                </a:lnTo>
-                <a:lnTo>
-                  <a:pt x="95578" y="110918"/>
-                </a:lnTo>
-                <a:lnTo>
-                  <a:pt x="96053" y="110850"/>
-                </a:lnTo>
-                <a:lnTo>
-                  <a:pt x="96121" y="110783"/>
-                </a:lnTo>
-                <a:lnTo>
-                  <a:pt x="96121" y="110579"/>
-                </a:lnTo>
-                <a:lnTo>
-                  <a:pt x="96053" y="110511"/>
-                </a:lnTo>
-                <a:lnTo>
-                  <a:pt x="95713" y="110443"/>
-                </a:lnTo>
-                <a:lnTo>
-                  <a:pt x="95102" y="110307"/>
-                </a:lnTo>
-                <a:lnTo>
-                  <a:pt x="93473" y="110036"/>
-                </a:lnTo>
-                <a:lnTo>
-                  <a:pt x="91369" y="109696"/>
-                </a:lnTo>
-                <a:lnTo>
-                  <a:pt x="90487" y="109493"/>
-                </a:lnTo>
-                <a:lnTo>
-                  <a:pt x="89943" y="109357"/>
-                </a:lnTo>
-                <a:lnTo>
-                  <a:pt x="89740" y="109153"/>
-                </a:lnTo>
-                <a:lnTo>
-                  <a:pt x="89536" y="108746"/>
-                </a:lnTo>
-                <a:lnTo>
-                  <a:pt x="89333" y="108203"/>
-                </a:lnTo>
-                <a:lnTo>
-                  <a:pt x="89197" y="107388"/>
-                </a:lnTo>
-                <a:lnTo>
-                  <a:pt x="88789" y="105284"/>
-                </a:lnTo>
-                <a:lnTo>
-                  <a:pt x="88382" y="102297"/>
-                </a:lnTo>
-                <a:lnTo>
-                  <a:pt x="88043" y="98971"/>
-                </a:lnTo>
-                <a:lnTo>
-                  <a:pt x="87839" y="95713"/>
-                </a:lnTo>
-                <a:close/>
-                <a:moveTo>
-                  <a:pt x="47450" y="111054"/>
-                </a:moveTo>
-                <a:lnTo>
-                  <a:pt x="47450" y="111122"/>
-                </a:lnTo>
-                <a:lnTo>
-                  <a:pt x="47450" y="111393"/>
-                </a:lnTo>
-                <a:lnTo>
-                  <a:pt x="47518" y="111461"/>
-                </a:lnTo>
-                <a:lnTo>
-                  <a:pt x="48807" y="111529"/>
-                </a:lnTo>
-                <a:lnTo>
-                  <a:pt x="52473" y="111597"/>
-                </a:lnTo>
-                <a:lnTo>
-                  <a:pt x="62384" y="111665"/>
-                </a:lnTo>
-                <a:lnTo>
-                  <a:pt x="80779" y="111665"/>
-                </a:lnTo>
-                <a:lnTo>
-                  <a:pt x="90622" y="111597"/>
-                </a:lnTo>
-                <a:lnTo>
-                  <a:pt x="94356" y="111529"/>
-                </a:lnTo>
-                <a:lnTo>
-                  <a:pt x="95646" y="111461"/>
-                </a:lnTo>
-                <a:lnTo>
-                  <a:pt x="95713" y="111393"/>
-                </a:lnTo>
-                <a:lnTo>
-                  <a:pt x="95713" y="111122"/>
-                </a:lnTo>
-                <a:lnTo>
-                  <a:pt x="95646" y="111054"/>
-                </a:lnTo>
-                <a:lnTo>
-                  <a:pt x="94084" y="111122"/>
-                </a:lnTo>
-                <a:lnTo>
-                  <a:pt x="91233" y="111190"/>
-                </a:lnTo>
-                <a:lnTo>
-                  <a:pt x="80847" y="111258"/>
-                </a:lnTo>
-                <a:lnTo>
-                  <a:pt x="62316" y="111258"/>
-                </a:lnTo>
-                <a:lnTo>
-                  <a:pt x="51930" y="111190"/>
-                </a:lnTo>
-                <a:lnTo>
-                  <a:pt x="49079" y="111122"/>
-                </a:lnTo>
-                <a:lnTo>
-                  <a:pt x="47518" y="111054"/>
-                </a:lnTo>
-                <a:close/>
-              </a:path>
-            </a:pathLst>
-          </a:custGeom>
-          <a:noFill/>
-          <a:ln w="9525" cap="flat" cmpd="sng">
-            <a:solidFill>
-              <a:srgbClr val="999FA9"/>
-            </a:solidFill>
-            <a:prstDash val="solid"/>
-            <a:round/>
-            <a:headEnd type="none" w="sm" len="sm"/>
-            <a:tailEnd type="none" w="sm" len="sm"/>
-          </a:ln>
-        </p:spPr>
-        <p:txBody>
-          <a:bodyPr spcFirstLastPara="1" wrap="square" lIns="91425" tIns="91425" rIns="91425" bIns="91425" anchor="ctr" anchorCtr="0">
-            <a:noAutofit/>
-          </a:bodyPr>
-          <a:lstStyle/>
-          <a:p>
-            <a:pPr marL="0" lvl="0" indent="0">
-              <a:spcBef>
-                <a:spcPts val="0"/>
-              </a:spcBef>
-              <a:spcAft>
-                <a:spcPts val="0"/>
-              </a:spcAft>
-              <a:buNone/>
-            </a:pPr>
-            <a:endParaRPr/>
-          </a:p>
-        </p:txBody>
-      </p:sp>
-      <p:pic>
-        <p:nvPicPr>
-          <p:cNvPr id="6" name="Picture 5"/>
-          <p:cNvPicPr>
-            <a:picLocks noChangeAspect="1"/>
-          </p:cNvPicPr>
-          <p:nvPr/>
-        </p:nvPicPr>
-        <p:blipFill>
-          <a:blip r:embed="rId3">
-            <a:extLst>
-              <a:ext uri="{28A0092B-C50C-407E-A947-70E740481C1C}">
-                <a14:useLocalDpi xmlns:a14="http://schemas.microsoft.com/office/drawing/2010/main" val="0"/>
-              </a:ext>
-            </a:extLst>
-          </a:blip>
-          <a:stretch>
-            <a:fillRect/>
-          </a:stretch>
-        </p:blipFill>
-        <p:spPr>
-          <a:xfrm>
-            <a:off x="3912739" y="1642350"/>
-            <a:ext cx="4682606" cy="2664607"/>
-          </a:xfrm>
-          <a:prstGeom prst="rect">
-            <a:avLst/>
-          </a:prstGeom>
-        </p:spPr>
-      </p:pic>
-    </p:spTree>
-  </p:cSld>
-  <p:clrMapOvr>
-    <a:masterClrMapping/>
-  </p:clrMapOvr>
-  <mc:AlternateContent xmlns:mc="http://schemas.openxmlformats.org/markup-compatibility/2006">
-    <mc:Choice xmlns:p14="http://schemas.microsoft.com/office/powerpoint/2010/main" Requires="p14">
-      <p:transition p14:dur="0"/>
-    </mc:Choice>
-    <mc:Fallback>
-      <p:transition/>
-    </mc:Fallback>
-  </mc:AlternateContent>
-</p:sld>
-</file>
-
-<file path=ppt/slides/slide5.xml><?xml version="1.0" encoding="utf-8"?>
 <p:sld xmlns:a="http://schemas.openxmlformats.org/drawingml/2006/main" xmlns:r="http://schemas.openxmlformats.org/officeDocument/2006/relationships" xmlns:p="http://schemas.openxmlformats.org/presentationml/2006/main">
   <p:cSld>
     <p:spTree>
@@ -5431,7 +4449,7 @@
             </a:pPr>
             <a:fld id="{00000000-1234-1234-1234-123412341234}" type="slidenum">
               <a:rPr lang="en"/>
-              <a:t>5</a:t>
+              <a:t>4</a:t>
             </a:fld>
             <a:endParaRPr/>
           </a:p>
@@ -5726,7 +4744,18 @@
                 <a:ea typeface="Helvetica Neue" charset="0"/>
                 <a:cs typeface="Helvetica Neue" charset="0"/>
               </a:rPr>
-              <a:t>Car Finder starts off by directing the user to the home page. From there the user has the option to search for cars by filling out optional information on a form. The form asks important questions regarding car buying. These questions ask things like year, model, color, and type of car.  Then below the form it shows some featured cars that are replaced by search results once the user submits.</a:t>
+              <a:t>Car Finder starts off by directing the user to the home page. From there the user has the option to search for cars by filling out optional information on a form. The form asks important questions regarding car buying. These questions ask things like year, model, color, and type of car.  Then below the form it shows some featured cars that are replaced by search results once the user </a:t>
+            </a:r>
+            <a:r>
+              <a:rPr lang="en-US" sz="1800" dirty="0" smtClean="0">
+                <a:solidFill>
+                  <a:schemeClr val="bg1"/>
+                </a:solidFill>
+                <a:latin typeface="Helvetica Neue" charset="0"/>
+                <a:ea typeface="Helvetica Neue" charset="0"/>
+                <a:cs typeface="Helvetica Neue" charset="0"/>
+              </a:rPr>
+              <a:t>submits.</a:t>
             </a:r>
           </a:p>
           <a:p>
@@ -5741,7 +4770,7 @@
           </a:p>
           <a:p>
             <a:r>
-              <a:rPr lang="en-US" sz="1800" dirty="0">
+              <a:rPr lang="en-US" sz="1800" dirty="0" smtClean="0">
                 <a:solidFill>
                   <a:schemeClr val="bg1"/>
                 </a:solidFill>
@@ -5749,10 +4778,8 @@
                 <a:ea typeface="Helvetica Neue" charset="0"/>
                 <a:cs typeface="Helvetica Neue" charset="0"/>
               </a:rPr>
-              <a:t>By clicking on a car, you can go to its own page that gives further details on the car, built in Handlebars.</a:t>
+              <a:t>On the add a new car page it lets user’s add a car.</a:t>
             </a:r>
-          </a:p>
-          <a:p>
             <a:endParaRPr lang="en-US" sz="1800" dirty="0">
               <a:solidFill>
                 <a:schemeClr val="bg1"/>
@@ -5761,42 +4788,6 @@
               <a:ea typeface="Helvetica Neue" charset="0"/>
               <a:cs typeface="Helvetica Neue" charset="0"/>
             </a:endParaRPr>
-          </a:p>
-          <a:p>
-            <a:r>
-              <a:rPr lang="en-US" sz="1800" dirty="0">
-                <a:solidFill>
-                  <a:schemeClr val="bg1"/>
-                </a:solidFill>
-                <a:latin typeface="Helvetica Neue" charset="0"/>
-                <a:ea typeface="Helvetica Neue" charset="0"/>
-                <a:cs typeface="Helvetica Neue" charset="0"/>
-              </a:rPr>
-              <a:t>On the profile page it asks for name, phone number, and email, so that the user can create a profile.</a:t>
-            </a:r>
-          </a:p>
-          <a:p>
-            <a:endParaRPr lang="en-US" sz="1800" dirty="0">
-              <a:solidFill>
-                <a:schemeClr val="bg1"/>
-              </a:solidFill>
-              <a:latin typeface="Helvetica Neue" charset="0"/>
-              <a:ea typeface="Helvetica Neue" charset="0"/>
-              <a:cs typeface="Helvetica Neue" charset="0"/>
-            </a:endParaRPr>
-          </a:p>
-          <a:p>
-            <a:r>
-              <a:rPr lang="en-US" sz="1800" dirty="0">
-                <a:solidFill>
-                  <a:schemeClr val="bg1"/>
-                </a:solidFill>
-                <a:latin typeface="Helvetica Neue" charset="0"/>
-                <a:ea typeface="Helvetica Neue" charset="0"/>
-                <a:cs typeface="Helvetica Neue" charset="0"/>
-              </a:rPr>
-              <a:t>On the log in page, it asks for username and password.</a:t>
-            </a:r>
           </a:p>
         </p:txBody>
       </p:sp>
@@ -5818,10 +4809,17 @@
       <p:transition/>
     </mc:Fallback>
   </mc:AlternateContent>
+  <p:timing>
+    <p:tnLst>
+      <p:par>
+        <p:cTn id="1" dur="indefinite" restart="never" nodeType="tmRoot"/>
+      </p:par>
+    </p:tnLst>
+  </p:timing>
 </p:sld>
 </file>
 
-<file path=ppt/slides/slide6.xml><?xml version="1.0" encoding="utf-8"?>
+<file path=ppt/slides/slide5.xml><?xml version="1.0" encoding="utf-8"?>
 <p:sld xmlns:a="http://schemas.openxmlformats.org/drawingml/2006/main" xmlns:r="http://schemas.openxmlformats.org/officeDocument/2006/relationships" xmlns:p="http://schemas.openxmlformats.org/presentationml/2006/main">
   <p:cSld>
     <p:spTree>
@@ -5893,7 +4891,7 @@
                 <a:ea typeface="Helvetica Neue" charset="0"/>
                 <a:cs typeface="Helvetica Neue" charset="0"/>
               </a:rPr>
-              <a:t>related parts, including the web page layouts and designing a logo. She also helped make the app function by writing some of the JavaScript.</a:t>
+              <a:t>related parts, including the web page layout. She also helped make the app function by writing some of the JavaScript.</a:t>
             </a:r>
           </a:p>
           <a:p>
@@ -6018,7 +5016,7 @@
             </a:pPr>
             <a:fld id="{00000000-1234-1234-1234-123412341234}" type="slidenum">
               <a:rPr lang="uk-UA" smtClean="0"/>
-              <a:t>6</a:t>
+              <a:t>5</a:t>
             </a:fld>
             <a:endParaRPr lang="uk-UA"/>
           </a:p>
@@ -6042,10 +5040,17 @@
       <p:transition/>
     </mc:Fallback>
   </mc:AlternateContent>
+  <p:timing>
+    <p:tnLst>
+      <p:par>
+        <p:cTn id="1" dur="indefinite" restart="never" nodeType="tmRoot"/>
+      </p:par>
+    </p:tnLst>
+  </p:timing>
 </p:sld>
 </file>
 
-<file path=ppt/slides/slide7.xml><?xml version="1.0" encoding="utf-8"?>
+<file path=ppt/slides/slide6.xml><?xml version="1.0" encoding="utf-8"?>
 <p:sld xmlns:a="http://schemas.openxmlformats.org/drawingml/2006/main" xmlns:r="http://schemas.openxmlformats.org/officeDocument/2006/relationships" xmlns:p="http://schemas.openxmlformats.org/presentationml/2006/main">
   <p:cSld>
     <p:spTree>
@@ -6094,7 +5099,7 @@
             </a:pPr>
             <a:fld id="{00000000-1234-1234-1234-123412341234}" type="slidenum">
               <a:rPr lang="en"/>
-              <a:t>7</a:t>
+              <a:t>6</a:t>
             </a:fld>
             <a:endParaRPr/>
           </a:p>
@@ -6140,7 +5145,7 @@
         <p:spPr>
           <a:xfrm>
             <a:off x="1073426" y="1603513"/>
-            <a:ext cx="6944139" cy="2185214"/>
+            <a:ext cx="6944139" cy="3293209"/>
           </a:xfrm>
           <a:prstGeom prst="rect">
             <a:avLst/>
@@ -6162,8 +5167,84 @@
                 <a:ea typeface="Helvetica Neue" charset="0"/>
                 <a:cs typeface="Helvetica Neue" charset="0"/>
               </a:rPr>
-              <a:t>-Get/post routes, these sucked!</a:t>
+              <a:t>-Get/post routes, these sucked</a:t>
             </a:r>
+            <a:r>
+              <a:rPr lang="en-US" sz="1800" dirty="0" smtClean="0">
+                <a:solidFill>
+                  <a:schemeClr val="bg1"/>
+                </a:solidFill>
+                <a:latin typeface="Helvetica Neue" charset="0"/>
+                <a:ea typeface="Helvetica Neue" charset="0"/>
+                <a:cs typeface="Helvetica Neue" charset="0"/>
+              </a:rPr>
+              <a:t>!</a:t>
+            </a:r>
+          </a:p>
+          <a:p>
+            <a:endParaRPr lang="en-US" sz="1800" dirty="0">
+              <a:solidFill>
+                <a:schemeClr val="bg1"/>
+              </a:solidFill>
+              <a:latin typeface="Helvetica Neue" charset="0"/>
+              <a:ea typeface="Helvetica Neue" charset="0"/>
+              <a:cs typeface="Helvetica Neue" charset="0"/>
+            </a:endParaRPr>
+          </a:p>
+          <a:p>
+            <a:r>
+              <a:rPr lang="en-US" sz="1800" dirty="0" smtClean="0">
+                <a:solidFill>
+                  <a:schemeClr val="bg1"/>
+                </a:solidFill>
+                <a:latin typeface="Helvetica Neue" charset="0"/>
+                <a:ea typeface="Helvetica Neue" charset="0"/>
+                <a:cs typeface="Helvetica Neue" charset="0"/>
+              </a:rPr>
+              <a:t>-Testing was also hard.</a:t>
+            </a:r>
+          </a:p>
+          <a:p>
+            <a:endParaRPr lang="en-US" sz="1800" dirty="0">
+              <a:solidFill>
+                <a:schemeClr val="bg1"/>
+              </a:solidFill>
+              <a:latin typeface="Helvetica Neue" charset="0"/>
+              <a:ea typeface="Helvetica Neue" charset="0"/>
+              <a:cs typeface="Helvetica Neue" charset="0"/>
+            </a:endParaRPr>
+          </a:p>
+          <a:p>
+            <a:r>
+              <a:rPr lang="en-US" sz="1800" dirty="0" smtClean="0">
+                <a:solidFill>
+                  <a:schemeClr val="bg1"/>
+                </a:solidFill>
+                <a:latin typeface="Helvetica Neue" charset="0"/>
+                <a:ea typeface="Helvetica Neue" charset="0"/>
+                <a:cs typeface="Helvetica Neue" charset="0"/>
+              </a:rPr>
+              <a:t>-</a:t>
+            </a:r>
+            <a:r>
+              <a:rPr lang="en-US" sz="1800" dirty="0" err="1" smtClean="0">
+                <a:solidFill>
+                  <a:schemeClr val="bg1"/>
+                </a:solidFill>
+                <a:latin typeface="Helvetica Neue" charset="0"/>
+                <a:ea typeface="Helvetica Neue" charset="0"/>
+                <a:cs typeface="Helvetica Neue" charset="0"/>
+              </a:rPr>
+              <a:t>Heroku</a:t>
+            </a:r>
+            <a:endParaRPr lang="en-US" sz="1800" dirty="0">
+              <a:solidFill>
+                <a:schemeClr val="bg1"/>
+              </a:solidFill>
+              <a:latin typeface="Helvetica Neue" charset="0"/>
+              <a:ea typeface="Helvetica Neue" charset="0"/>
+              <a:cs typeface="Helvetica Neue" charset="0"/>
+            </a:endParaRPr>
           </a:p>
           <a:p>
             <a:endParaRPr lang="en-US" sz="1800" dirty="0">
@@ -6212,10 +5293,17 @@
       <p:transition/>
     </mc:Fallback>
   </mc:AlternateContent>
+  <p:timing>
+    <p:tnLst>
+      <p:par>
+        <p:cTn id="1" dur="indefinite" restart="never" nodeType="tmRoot"/>
+      </p:par>
+    </p:tnLst>
+  </p:timing>
 </p:sld>
 </file>
 
-<file path=ppt/slides/slide8.xml><?xml version="1.0" encoding="utf-8"?>
+<file path=ppt/slides/slide7.xml><?xml version="1.0" encoding="utf-8"?>
 <p:sld xmlns:a="http://schemas.openxmlformats.org/drawingml/2006/main" xmlns:r="http://schemas.openxmlformats.org/officeDocument/2006/relationships" xmlns:p="http://schemas.openxmlformats.org/presentationml/2006/main">
   <p:cSld>
     <p:spTree>
@@ -6289,7 +5377,7 @@
             </a:pPr>
             <a:fld id="{00000000-1234-1234-1234-123412341234}" type="slidenum">
               <a:rPr lang="uk-UA" smtClean="0"/>
-              <a:t>8</a:t>
+              <a:t>7</a:t>
             </a:fld>
             <a:endParaRPr lang="uk-UA"/>
           </a:p>
@@ -6435,6 +5523,307 @@
       <p:transition/>
     </mc:Fallback>
   </mc:AlternateContent>
+  <p:timing>
+    <p:tnLst>
+      <p:par>
+        <p:cTn id="1" dur="indefinite" restart="never" nodeType="tmRoot"/>
+      </p:par>
+    </p:tnLst>
+  </p:timing>
+</p:sld>
+</file>
+
+<file path=ppt/slides/slide8.xml><?xml version="1.0" encoding="utf-8"?>
+<p:sld xmlns:a="http://schemas.openxmlformats.org/drawingml/2006/main" xmlns:r="http://schemas.openxmlformats.org/officeDocument/2006/relationships" xmlns:p="http://schemas.openxmlformats.org/presentationml/2006/main">
+  <p:cSld>
+    <p:spTree>
+      <p:nvGrpSpPr>
+        <p:cNvPr id="1" name=""/>
+        <p:cNvGrpSpPr/>
+        <p:nvPr/>
+      </p:nvGrpSpPr>
+      <p:grpSpPr>
+        <a:xfrm>
+          <a:off x="0" y="0"/>
+          <a:ext cx="0" cy="0"/>
+          <a:chOff x="0" y="0"/>
+          <a:chExt cx="0" cy="0"/>
+        </a:xfrm>
+      </p:grpSpPr>
+      <p:sp>
+        <p:nvSpPr>
+          <p:cNvPr id="2" name="Text Placeholder 1"/>
+          <p:cNvSpPr>
+            <a:spLocks noGrp="1"/>
+          </p:cNvSpPr>
+          <p:nvPr>
+            <p:ph type="body" idx="1"/>
+          </p:nvPr>
+        </p:nvSpPr>
+        <p:spPr>
+          <a:xfrm>
+            <a:off x="1001857" y="209177"/>
+            <a:ext cx="7521300" cy="578700"/>
+          </a:xfrm>
+        </p:spPr>
+        <p:txBody>
+          <a:bodyPr/>
+          <a:lstStyle/>
+          <a:p>
+            <a:r>
+              <a:rPr lang="en-US" b="1" dirty="0" smtClean="0">
+                <a:latin typeface="Helvetica Neue" charset="0"/>
+                <a:ea typeface="Helvetica Neue" charset="0"/>
+                <a:cs typeface="Helvetica Neue" charset="0"/>
+              </a:rPr>
+              <a:t>Photos of our project</a:t>
+            </a:r>
+            <a:endParaRPr lang="en-US" b="1" dirty="0">
+              <a:latin typeface="Helvetica Neue" charset="0"/>
+              <a:ea typeface="Helvetica Neue" charset="0"/>
+              <a:cs typeface="Helvetica Neue" charset="0"/>
+            </a:endParaRPr>
+          </a:p>
+        </p:txBody>
+      </p:sp>
+      <p:sp>
+        <p:nvSpPr>
+          <p:cNvPr id="3" name="Slide Number Placeholder 2"/>
+          <p:cNvSpPr>
+            <a:spLocks noGrp="1"/>
+          </p:cNvSpPr>
+          <p:nvPr>
+            <p:ph type="sldNum" idx="12"/>
+          </p:nvPr>
+        </p:nvSpPr>
+        <p:spPr/>
+        <p:txBody>
+          <a:bodyPr/>
+          <a:lstStyle/>
+          <a:p>
+            <a:pPr marL="0" lvl="0" indent="0">
+              <a:spcBef>
+                <a:spcPts val="0"/>
+              </a:spcBef>
+              <a:spcAft>
+                <a:spcPts val="0"/>
+              </a:spcAft>
+              <a:buNone/>
+            </a:pPr>
+            <a:fld id="{00000000-1234-1234-1234-123412341234}" type="slidenum">
+              <a:rPr lang="uk-UA" smtClean="0"/>
+              <a:t>8</a:t>
+            </a:fld>
+            <a:endParaRPr lang="uk-UA"/>
+          </a:p>
+        </p:txBody>
+      </p:sp>
+      <p:pic>
+        <p:nvPicPr>
+          <p:cNvPr id="4" name="Picture 3"/>
+          <p:cNvPicPr>
+            <a:picLocks noChangeAspect="1"/>
+          </p:cNvPicPr>
+          <p:nvPr/>
+        </p:nvPicPr>
+        <p:blipFill>
+          <a:blip r:embed="rId2">
+            <a:extLst>
+              <a:ext uri="{28A0092B-C50C-407E-A947-70E740481C1C}">
+                <a14:useLocalDpi xmlns:a14="http://schemas.microsoft.com/office/drawing/2010/main" val="0"/>
+              </a:ext>
+            </a:extLst>
+          </a:blip>
+          <a:stretch>
+            <a:fillRect/>
+          </a:stretch>
+        </p:blipFill>
+        <p:spPr>
+          <a:xfrm>
+            <a:off x="1146696" y="1393087"/>
+            <a:ext cx="7650811" cy="4439477"/>
+          </a:xfrm>
+          <a:prstGeom prst="rect">
+            <a:avLst/>
+          </a:prstGeom>
+        </p:spPr>
+      </p:pic>
+    </p:spTree>
+    <p:extLst>
+      <p:ext uri="{BB962C8B-B14F-4D97-AF65-F5344CB8AC3E}">
+        <p14:creationId xmlns:p14="http://schemas.microsoft.com/office/powerpoint/2010/main" val="2005567501"/>
+      </p:ext>
+    </p:extLst>
+  </p:cSld>
+  <p:clrMapOvr>
+    <a:masterClrMapping/>
+  </p:clrMapOvr>
+  <mc:AlternateContent xmlns:mc="http://schemas.openxmlformats.org/markup-compatibility/2006">
+    <mc:Choice xmlns:p14="http://schemas.microsoft.com/office/powerpoint/2010/main" Requires="p14">
+      <p:transition p14:dur="0"/>
+    </mc:Choice>
+    <mc:Fallback>
+      <p:transition/>
+    </mc:Fallback>
+  </mc:AlternateContent>
+  <p:timing>
+    <p:tnLst>
+      <p:par>
+        <p:cTn id="1" dur="indefinite" restart="never" nodeType="tmRoot"/>
+      </p:par>
+    </p:tnLst>
+  </p:timing>
+</p:sld>
+</file>
+
+<file path=ppt/slides/slide9.xml><?xml version="1.0" encoding="utf-8"?>
+<p:sld xmlns:a="http://schemas.openxmlformats.org/drawingml/2006/main" xmlns:r="http://schemas.openxmlformats.org/officeDocument/2006/relationships" xmlns:p="http://schemas.openxmlformats.org/presentationml/2006/main">
+  <p:cSld>
+    <p:spTree>
+      <p:nvGrpSpPr>
+        <p:cNvPr id="1" name=""/>
+        <p:cNvGrpSpPr/>
+        <p:nvPr/>
+      </p:nvGrpSpPr>
+      <p:grpSpPr>
+        <a:xfrm>
+          <a:off x="0" y="0"/>
+          <a:ext cx="0" cy="0"/>
+          <a:chOff x="0" y="0"/>
+          <a:chExt cx="0" cy="0"/>
+        </a:xfrm>
+      </p:grpSpPr>
+      <p:sp>
+        <p:nvSpPr>
+          <p:cNvPr id="3" name="Slide Number Placeholder 2"/>
+          <p:cNvSpPr>
+            <a:spLocks noGrp="1"/>
+          </p:cNvSpPr>
+          <p:nvPr>
+            <p:ph type="sldNum" idx="12"/>
+          </p:nvPr>
+        </p:nvSpPr>
+        <p:spPr/>
+        <p:txBody>
+          <a:bodyPr/>
+          <a:lstStyle/>
+          <a:p>
+            <a:pPr marL="0" lvl="0" indent="0">
+              <a:spcBef>
+                <a:spcPts val="0"/>
+              </a:spcBef>
+              <a:spcAft>
+                <a:spcPts val="0"/>
+              </a:spcAft>
+              <a:buNone/>
+            </a:pPr>
+            <a:fld id="{00000000-1234-1234-1234-123412341234}" type="slidenum">
+              <a:rPr lang="uk-UA" smtClean="0"/>
+              <a:t>9</a:t>
+            </a:fld>
+            <a:endParaRPr lang="uk-UA"/>
+          </a:p>
+        </p:txBody>
+      </p:sp>
+      <p:pic>
+        <p:nvPicPr>
+          <p:cNvPr id="4" name="Picture 3"/>
+          <p:cNvPicPr>
+            <a:picLocks noChangeAspect="1"/>
+          </p:cNvPicPr>
+          <p:nvPr/>
+        </p:nvPicPr>
+        <p:blipFill>
+          <a:blip r:embed="rId2">
+            <a:extLst>
+              <a:ext uri="{28A0092B-C50C-407E-A947-70E740481C1C}">
+                <a14:useLocalDpi xmlns:a14="http://schemas.microsoft.com/office/drawing/2010/main" val="0"/>
+              </a:ext>
+            </a:extLst>
+          </a:blip>
+          <a:stretch>
+            <a:fillRect/>
+          </a:stretch>
+        </p:blipFill>
+        <p:spPr>
+          <a:xfrm>
+            <a:off x="1093187" y="1417983"/>
+            <a:ext cx="7978670" cy="4589611"/>
+          </a:xfrm>
+          <a:prstGeom prst="rect">
+            <a:avLst/>
+          </a:prstGeom>
+        </p:spPr>
+      </p:pic>
+      <p:sp>
+        <p:nvSpPr>
+          <p:cNvPr id="5" name="TextBox 4"/>
+          <p:cNvSpPr txBox="1"/>
+          <p:nvPr/>
+        </p:nvSpPr>
+        <p:spPr>
+          <a:xfrm>
+            <a:off x="1537252" y="530087"/>
+            <a:ext cx="4956313" cy="369332"/>
+          </a:xfrm>
+          <a:prstGeom prst="rect">
+            <a:avLst/>
+          </a:prstGeom>
+          <a:noFill/>
+        </p:spPr>
+        <p:txBody>
+          <a:bodyPr wrap="square" rtlCol="0">
+            <a:spAutoFit/>
+          </a:bodyPr>
+          <a:lstStyle/>
+          <a:p>
+            <a:r>
+              <a:rPr lang="en-US" sz="1800" b="1" dirty="0" smtClean="0">
+                <a:solidFill>
+                  <a:schemeClr val="bg1"/>
+                </a:solidFill>
+                <a:latin typeface="Helvetica Neue" charset="0"/>
+                <a:ea typeface="Helvetica Neue" charset="0"/>
+                <a:cs typeface="Helvetica Neue" charset="0"/>
+              </a:rPr>
+              <a:t>Add A new car</a:t>
+            </a:r>
+            <a:endParaRPr lang="en-US" sz="1800" b="1" dirty="0">
+              <a:solidFill>
+                <a:schemeClr val="bg1"/>
+              </a:solidFill>
+              <a:latin typeface="Helvetica Neue" charset="0"/>
+              <a:ea typeface="Helvetica Neue" charset="0"/>
+              <a:cs typeface="Helvetica Neue" charset="0"/>
+            </a:endParaRPr>
+          </a:p>
+        </p:txBody>
+      </p:sp>
+    </p:spTree>
+    <p:extLst>
+      <p:ext uri="{BB962C8B-B14F-4D97-AF65-F5344CB8AC3E}">
+        <p14:creationId xmlns:p14="http://schemas.microsoft.com/office/powerpoint/2010/main" val="549455699"/>
+      </p:ext>
+    </p:extLst>
+  </p:cSld>
+  <p:clrMapOvr>
+    <a:masterClrMapping/>
+  </p:clrMapOvr>
+  <mc:AlternateContent xmlns:mc="http://schemas.openxmlformats.org/markup-compatibility/2006">
+    <mc:Choice xmlns:p14="http://schemas.microsoft.com/office/powerpoint/2010/main" Requires="p14">
+      <p:transition p14:dur="0"/>
+    </mc:Choice>
+    <mc:Fallback>
+      <p:transition/>
+    </mc:Fallback>
+  </mc:AlternateContent>
+  <p:timing>
+    <p:tnLst>
+      <p:par>
+        <p:cTn id="1" dur="indefinite" restart="never" nodeType="tmRoot"/>
+      </p:par>
+    </p:tnLst>
+  </p:timing>
 </p:sld>
 </file>
 
